--- a/Peer Perspective #4.pptx
+++ b/Peer Perspective #4.pptx
@@ -487,7 +487,7 @@
   <p:cSld>
     <p:spTree>
       <p:nvGrpSpPr>
-        <p:cNvPr id="131" name="Shape 131"/>
+        <p:cNvPr id="135" name="Shape 135"/>
         <p:cNvGrpSpPr/>
         <p:nvPr/>
       </p:nvGrpSpPr>
@@ -501,7 +501,7 @@
       </p:grpSpPr>
       <p:sp>
         <p:nvSpPr>
-          <p:cNvPr id="132" name="Shape 132"/>
+          <p:cNvPr id="136" name="Shape 136"/>
           <p:cNvSpPr/>
           <p:nvPr>
             <p:ph idx="2" type="sldImg"/>
@@ -535,7 +535,7 @@
       </p:sp>
       <p:sp>
         <p:nvSpPr>
-          <p:cNvPr id="133" name="Shape 133"/>
+          <p:cNvPr id="137" name="Shape 137"/>
           <p:cNvSpPr txBox="1"/>
           <p:nvPr>
             <p:ph idx="1" type="body"/>
@@ -582,7 +582,7 @@
   <p:cSld>
     <p:spTree>
       <p:nvGrpSpPr>
-        <p:cNvPr id="139" name="Shape 139"/>
+        <p:cNvPr id="142" name="Shape 142"/>
         <p:cNvGrpSpPr/>
         <p:nvPr/>
       </p:nvGrpSpPr>
@@ -596,7 +596,7 @@
       </p:grpSpPr>
       <p:sp>
         <p:nvSpPr>
-          <p:cNvPr id="140" name="Shape 140"/>
+          <p:cNvPr id="143" name="Shape 143"/>
           <p:cNvSpPr/>
           <p:nvPr>
             <p:ph idx="2" type="sldImg"/>
@@ -630,7 +630,7 @@
       </p:sp>
       <p:sp>
         <p:nvSpPr>
-          <p:cNvPr id="141" name="Shape 141"/>
+          <p:cNvPr id="144" name="Shape 144"/>
           <p:cNvSpPr txBox="1"/>
           <p:nvPr>
             <p:ph idx="1" type="body"/>
@@ -848,9 +848,9 @@
               <a:buNone/>
             </a:pPr>
             <a:r>
-              <a:rPr lang="en"/>
-              <a:t>Good evening class, today I’m here to talk to you about an issue that has been prevalent in the past, present and will be in the future. (Pause) That issue is education. Out of 64 countries the US is ranked 35th in Math and 27th in Science. As you can see in the chart, 15 year old students in US are clearly struggling in math and science.</a:t>
+              <a:t/>
             </a:r>
+            <a:endParaRPr/>
           </a:p>
         </p:txBody>
       </p:sp>
@@ -867,7 +867,7 @@
   <p:cSld>
     <p:spTree>
       <p:nvGrpSpPr>
-        <p:cNvPr id="74" name="Shape 74"/>
+        <p:cNvPr id="81" name="Shape 81"/>
         <p:cNvGrpSpPr/>
         <p:nvPr/>
       </p:nvGrpSpPr>
@@ -881,7 +881,7 @@
       </p:grpSpPr>
       <p:sp>
         <p:nvSpPr>
-          <p:cNvPr id="75" name="Shape 75"/>
+          <p:cNvPr id="82" name="Shape 82"/>
           <p:cNvSpPr/>
           <p:nvPr>
             <p:ph idx="2" type="sldImg"/>
@@ -915,7 +915,7 @@
       </p:sp>
       <p:sp>
         <p:nvSpPr>
-          <p:cNvPr id="76" name="Shape 76"/>
+          <p:cNvPr id="83" name="Shape 83"/>
           <p:cNvSpPr txBox="1"/>
           <p:nvPr>
             <p:ph idx="1" type="body"/>
@@ -924,7 +924,7 @@
         <p:spPr>
           <a:xfrm>
             <a:off x="685800" y="4343400"/>
-            <a:ext cx="5486399" cy="4114800"/>
+            <a:ext cx="5486400" cy="4114800"/>
           </a:xfrm>
           <a:prstGeom prst="rect">
             <a:avLst/>
@@ -962,7 +962,7 @@
   <p:cSld>
     <p:spTree>
       <p:nvGrpSpPr>
-        <p:cNvPr id="88" name="Shape 88"/>
+        <p:cNvPr id="89" name="Shape 89"/>
         <p:cNvGrpSpPr/>
         <p:nvPr/>
       </p:nvGrpSpPr>
@@ -976,7 +976,7 @@
       </p:grpSpPr>
       <p:sp>
         <p:nvSpPr>
-          <p:cNvPr id="89" name="Shape 89"/>
+          <p:cNvPr id="90" name="Shape 90"/>
           <p:cNvSpPr/>
           <p:nvPr>
             <p:ph idx="2" type="sldImg"/>
@@ -1010,7 +1010,7 @@
       </p:sp>
       <p:sp>
         <p:nvSpPr>
-          <p:cNvPr id="90" name="Shape 90"/>
+          <p:cNvPr id="91" name="Shape 91"/>
           <p:cNvSpPr txBox="1"/>
           <p:nvPr>
             <p:ph idx="1" type="body"/>
@@ -1114,7 +1114,7 @@
         <p:spPr>
           <a:xfrm>
             <a:off x="685800" y="4343400"/>
-            <a:ext cx="5486399" cy="4114800"/>
+            <a:ext cx="5486400" cy="4114800"/>
           </a:xfrm>
           <a:prstGeom prst="rect">
             <a:avLst/>
@@ -1152,7 +1152,7 @@
   <p:cSld>
     <p:spTree>
       <p:nvGrpSpPr>
-        <p:cNvPr id="111" name="Shape 111"/>
+        <p:cNvPr id="107" name="Shape 107"/>
         <p:cNvGrpSpPr/>
         <p:nvPr/>
       </p:nvGrpSpPr>
@@ -1166,7 +1166,7 @@
       </p:grpSpPr>
       <p:sp>
         <p:nvSpPr>
-          <p:cNvPr id="112" name="Shape 112"/>
+          <p:cNvPr id="108" name="Shape 108"/>
           <p:cNvSpPr/>
           <p:nvPr>
             <p:ph idx="2" type="sldImg"/>
@@ -1200,7 +1200,7 @@
       </p:sp>
       <p:sp>
         <p:nvSpPr>
-          <p:cNvPr id="113" name="Shape 113"/>
+          <p:cNvPr id="109" name="Shape 109"/>
           <p:cNvSpPr txBox="1"/>
           <p:nvPr>
             <p:ph idx="1" type="body"/>
@@ -1209,7 +1209,7 @@
         <p:spPr>
           <a:xfrm>
             <a:off x="685800" y="4343400"/>
-            <a:ext cx="5486400" cy="4114800"/>
+            <a:ext cx="5486399" cy="4114800"/>
           </a:xfrm>
           <a:prstGeom prst="rect">
             <a:avLst/>
@@ -1247,7 +1247,7 @@
   <p:cSld>
     <p:spTree>
       <p:nvGrpSpPr>
-        <p:cNvPr id="118" name="Shape 118"/>
+        <p:cNvPr id="122" name="Shape 122"/>
         <p:cNvGrpSpPr/>
         <p:nvPr/>
       </p:nvGrpSpPr>
@@ -1261,7 +1261,7 @@
       </p:grpSpPr>
       <p:sp>
         <p:nvSpPr>
-          <p:cNvPr id="119" name="Shape 119"/>
+          <p:cNvPr id="123" name="Shape 123"/>
           <p:cNvSpPr/>
           <p:nvPr>
             <p:ph idx="2" type="sldImg"/>
@@ -1295,7 +1295,7 @@
       </p:sp>
       <p:sp>
         <p:nvSpPr>
-          <p:cNvPr id="120" name="Shape 120"/>
+          <p:cNvPr id="124" name="Shape 124"/>
           <p:cNvSpPr txBox="1"/>
           <p:nvPr>
             <p:ph idx="1" type="body"/>
@@ -1342,7 +1342,7 @@
   <p:cSld>
     <p:spTree>
       <p:nvGrpSpPr>
-        <p:cNvPr id="124" name="Shape 124"/>
+        <p:cNvPr id="128" name="Shape 128"/>
         <p:cNvGrpSpPr/>
         <p:nvPr/>
       </p:nvGrpSpPr>
@@ -1356,7 +1356,7 @@
       </p:grpSpPr>
       <p:sp>
         <p:nvSpPr>
-          <p:cNvPr id="125" name="Shape 125"/>
+          <p:cNvPr id="129" name="Shape 129"/>
           <p:cNvSpPr/>
           <p:nvPr>
             <p:ph idx="2" type="sldImg"/>
@@ -1390,7 +1390,7 @@
       </p:sp>
       <p:sp>
         <p:nvSpPr>
-          <p:cNvPr id="126" name="Shape 126"/>
+          <p:cNvPr id="130" name="Shape 130"/>
           <p:cNvSpPr txBox="1"/>
           <p:nvPr>
             <p:ph idx="1" type="body"/>
@@ -5199,7 +5199,7 @@
   <p:cSld>
     <p:spTree>
       <p:nvGrpSpPr>
-        <p:cNvPr id="134" name="Shape 134"/>
+        <p:cNvPr id="138" name="Shape 138"/>
         <p:cNvGrpSpPr/>
         <p:nvPr/>
       </p:nvGrpSpPr>
@@ -5213,7 +5213,7 @@
       </p:grpSpPr>
       <p:sp>
         <p:nvSpPr>
-          <p:cNvPr id="135" name="Shape 135"/>
+          <p:cNvPr id="139" name="Shape 139"/>
           <p:cNvSpPr txBox="1"/>
           <p:nvPr>
             <p:ph type="title"/>
@@ -5222,7 +5222,7 @@
         <p:spPr>
           <a:xfrm>
             <a:off x="311700" y="445025"/>
-            <a:ext cx="8520599" cy="572699"/>
+            <a:ext cx="8520600" cy="572700"/>
           </a:xfrm>
           <a:prstGeom prst="rect">
             <a:avLst/>
@@ -5241,20 +5241,15 @@
               <a:buNone/>
             </a:pPr>
             <a:r>
-              <a:rPr lang="en" sz="2400">
-                <a:latin typeface="Arial"/>
-                <a:ea typeface="Arial"/>
-                <a:cs typeface="Arial"/>
-                <a:sym typeface="Arial"/>
-              </a:rPr>
-              <a:t>Working Force</a:t>
+              <a:rPr lang="en"/>
+              <a:t>Education</a:t>
             </a:r>
           </a:p>
         </p:txBody>
       </p:sp>
       <p:sp>
         <p:nvSpPr>
-          <p:cNvPr id="136" name="Shape 136"/>
+          <p:cNvPr id="140" name="Shape 140"/>
           <p:cNvSpPr txBox="1"/>
           <p:nvPr>
             <p:ph idx="1" type="body"/>
@@ -5262,8 +5257,8 @@
         </p:nvSpPr>
         <p:spPr>
           <a:xfrm>
-            <a:off x="311700" y="1152475"/>
-            <a:ext cx="8520599" cy="3416400"/>
+            <a:off x="311700" y="1145950"/>
+            <a:ext cx="4349400" cy="3416400"/>
           </a:xfrm>
           <a:prstGeom prst="rect">
             <a:avLst/>
@@ -5274,6 +5269,42 @@
             <a:noAutofit/>
           </a:bodyPr>
           <a:lstStyle/>
+          <a:p>
+            <a:pPr lvl="0" rtl="0">
+              <a:spcBef>
+                <a:spcPts val="0"/>
+              </a:spcBef>
+              <a:buNone/>
+            </a:pPr>
+            <a:r>
+              <a:rPr lang="en"/>
+              <a:t>Out of 64 countries the 15 year olds in the US are:</a:t>
+            </a:r>
+          </a:p>
+          <a:p>
+            <a:pPr lvl="0" rtl="0">
+              <a:spcBef>
+                <a:spcPts val="0"/>
+              </a:spcBef>
+              <a:buNone/>
+            </a:pPr>
+            <a:r>
+              <a:rPr lang="en"/>
+              <a:t>Ranked 35th in Math </a:t>
+            </a:r>
+          </a:p>
+          <a:p>
+            <a:pPr lvl="0" rtl="0">
+              <a:spcBef>
+                <a:spcPts val="0"/>
+              </a:spcBef>
+              <a:buNone/>
+            </a:pPr>
+            <a:r>
+              <a:rPr lang="en"/>
+              <a:t>Ranked 27th in Science.</a:t>
+            </a:r>
+          </a:p>
           <a:p>
             <a:pPr lvl="0">
               <a:spcBef>
@@ -5290,7 +5321,7 @@
       </p:sp>
       <p:pic>
         <p:nvPicPr>
-          <p:cNvPr id="137" name="Shape 137"/>
+          <p:cNvPr id="141" name="Shape 141"/>
           <p:cNvPicPr preferRelativeResize="0"/>
           <p:nvPr/>
         </p:nvPicPr>
@@ -5304,36 +5335,8 @@
         </p:blipFill>
         <p:spPr>
           <a:xfrm>
-            <a:off x="514300" y="993950"/>
-            <a:ext cx="3831848" cy="3044975"/>
-          </a:xfrm>
-          <a:prstGeom prst="rect">
-            <a:avLst/>
-          </a:prstGeom>
-          <a:noFill/>
-          <a:ln>
-            <a:noFill/>
-          </a:ln>
-        </p:spPr>
-      </p:pic>
-      <p:pic>
-        <p:nvPicPr>
-          <p:cNvPr id="138" name="Shape 138"/>
-          <p:cNvPicPr preferRelativeResize="0"/>
-          <p:nvPr/>
-        </p:nvPicPr>
-        <p:blipFill>
-          <a:blip r:embed="rId4">
-            <a:alphaModFix/>
-          </a:blip>
-          <a:stretch>
-            <a:fillRect/>
-          </a:stretch>
-        </p:blipFill>
-        <p:spPr>
-          <a:xfrm>
-            <a:off x="5061525" y="155086"/>
-            <a:ext cx="3831849" cy="4858139"/>
+            <a:off x="5205325" y="0"/>
+            <a:ext cx="3938675" cy="4993575"/>
           </a:xfrm>
           <a:prstGeom prst="rect">
             <a:avLst/>
@@ -5360,7 +5363,7 @@
   <p:cSld>
     <p:spTree>
       <p:nvGrpSpPr>
-        <p:cNvPr id="142" name="Shape 142"/>
+        <p:cNvPr id="145" name="Shape 145"/>
         <p:cNvGrpSpPr/>
         <p:nvPr/>
       </p:nvGrpSpPr>
@@ -5374,7 +5377,7 @@
       </p:grpSpPr>
       <p:sp>
         <p:nvSpPr>
-          <p:cNvPr id="143" name="Shape 143"/>
+          <p:cNvPr id="146" name="Shape 146"/>
           <p:cNvSpPr txBox="1"/>
           <p:nvPr>
             <p:ph type="title"/>
@@ -5383,7 +5386,7 @@
         <p:spPr>
           <a:xfrm>
             <a:off x="311700" y="445025"/>
-            <a:ext cx="8520599" cy="572699"/>
+            <a:ext cx="8520600" cy="572700"/>
           </a:xfrm>
           <a:prstGeom prst="rect">
             <a:avLst/>
@@ -5410,7 +5413,7 @@
       </p:sp>
       <p:sp>
         <p:nvSpPr>
-          <p:cNvPr id="144" name="Shape 144"/>
+          <p:cNvPr id="147" name="Shape 147"/>
           <p:cNvSpPr txBox="1"/>
           <p:nvPr>
             <p:ph idx="1" type="body"/>
@@ -5557,7 +5560,7 @@
             </a:pPr>
             <a:r>
               <a:rPr lang="en"/>
-              <a:t>Education for the Young</a:t>
+              <a:t>Education </a:t>
             </a:r>
           </a:p>
         </p:txBody>
@@ -5629,7 +5632,7 @@
         <p:spPr>
           <a:xfrm>
             <a:off x="311700" y="445025"/>
-            <a:ext cx="8520599" cy="572699"/>
+            <a:ext cx="8520600" cy="572700"/>
           </a:xfrm>
           <a:prstGeom prst="rect">
             <a:avLst/>
@@ -5648,8 +5651,16 @@
               <a:buNone/>
             </a:pPr>
             <a:r>
-              <a:rPr lang="en"/>
-              <a:t>Education</a:t>
+              <a:rPr lang="en" sz="2400">
+                <a:solidFill>
+                  <a:schemeClr val="accent3"/>
+                </a:solidFill>
+              </a:rPr>
+              <a:t>Resources for Students:</a:t>
+            </a:r>
+            <a:r>
+              <a:rPr lang="en" sz="2400"/>
+              <a:t> </a:t>
             </a:r>
           </a:p>
         </p:txBody>
@@ -5664,8 +5675,8 @@
         </p:nvSpPr>
         <p:spPr>
           <a:xfrm>
-            <a:off x="311700" y="1145950"/>
-            <a:ext cx="4349400" cy="3416400"/>
+            <a:off x="944725" y="3389200"/>
+            <a:ext cx="1884900" cy="1038000"/>
           </a:xfrm>
           <a:prstGeom prst="rect">
             <a:avLst/>
@@ -5685,31 +5696,7 @@
             </a:pPr>
             <a:r>
               <a:rPr lang="en"/>
-              <a:t>Out of 64 countries the 15 year olds in the US are:</a:t>
-            </a:r>
-          </a:p>
-          <a:p>
-            <a:pPr lvl="0" rtl="0">
-              <a:spcBef>
-                <a:spcPts val="0"/>
-              </a:spcBef>
-              <a:buNone/>
-            </a:pPr>
-            <a:r>
-              <a:rPr lang="en"/>
-              <a:t>Ranked 35th in Math </a:t>
-            </a:r>
-          </a:p>
-          <a:p>
-            <a:pPr lvl="0" rtl="0">
-              <a:spcBef>
-                <a:spcPts val="0"/>
-              </a:spcBef>
-              <a:buNone/>
-            </a:pPr>
-            <a:r>
-              <a:rPr lang="en"/>
-              <a:t>Ranked 27th in Science.</a:t>
+              <a:t>Internet (Google, Khan, etc)</a:t>
             </a:r>
           </a:p>
           <a:p>
@@ -5726,9 +5713,163 @@
           </a:p>
         </p:txBody>
       </p:sp>
+      <p:sp>
+        <p:nvSpPr>
+          <p:cNvPr id="73" name="Shape 73"/>
+          <p:cNvSpPr txBox="1"/>
+          <p:nvPr>
+            <p:ph idx="1" type="body"/>
+          </p:nvPr>
+        </p:nvSpPr>
+        <p:spPr>
+          <a:xfrm>
+            <a:off x="3953300" y="3389200"/>
+            <a:ext cx="1328700" cy="1185299"/>
+          </a:xfrm>
+          <a:prstGeom prst="rect">
+            <a:avLst/>
+          </a:prstGeom>
+        </p:spPr>
+        <p:txBody>
+          <a:bodyPr anchorCtr="0" anchor="t" bIns="91425" lIns="91425" rIns="91425" tIns="91425">
+            <a:noAutofit/>
+          </a:bodyPr>
+          <a:lstStyle/>
+          <a:p>
+            <a:pPr lvl="0" rtl="0">
+              <a:spcBef>
+                <a:spcPts val="0"/>
+              </a:spcBef>
+              <a:buNone/>
+            </a:pPr>
+            <a:r>
+              <a:rPr lang="en"/>
+              <a:t>Instructors </a:t>
+            </a:r>
+          </a:p>
+          <a:p>
+            <a:pPr lvl="0" rtl="0">
+              <a:spcBef>
+                <a:spcPts val="0"/>
+              </a:spcBef>
+              <a:buNone/>
+            </a:pPr>
+            <a:r>
+              <a:t/>
+            </a:r>
+            <a:endParaRPr/>
+          </a:p>
+        </p:txBody>
+      </p:sp>
+      <p:sp>
+        <p:nvSpPr>
+          <p:cNvPr id="74" name="Shape 74"/>
+          <p:cNvSpPr txBox="1"/>
+          <p:nvPr>
+            <p:ph idx="1" type="body"/>
+          </p:nvPr>
+        </p:nvSpPr>
+        <p:spPr>
+          <a:xfrm>
+            <a:off x="6419900" y="3316150"/>
+            <a:ext cx="1567499" cy="884099"/>
+          </a:xfrm>
+          <a:prstGeom prst="rect">
+            <a:avLst/>
+          </a:prstGeom>
+        </p:spPr>
+        <p:txBody>
+          <a:bodyPr anchorCtr="0" anchor="t" bIns="91425" lIns="91425" rIns="91425" tIns="91425">
+            <a:noAutofit/>
+          </a:bodyPr>
+          <a:lstStyle/>
+          <a:p>
+            <a:pPr lvl="0" rtl="0">
+              <a:spcBef>
+                <a:spcPts val="0"/>
+              </a:spcBef>
+              <a:buNone/>
+            </a:pPr>
+            <a:r>
+              <a:rPr lang="en"/>
+              <a:t>Textbooks</a:t>
+            </a:r>
+          </a:p>
+          <a:p>
+            <a:pPr lvl="0" rtl="0">
+              <a:spcBef>
+                <a:spcPts val="0"/>
+              </a:spcBef>
+              <a:buNone/>
+            </a:pPr>
+            <a:r>
+              <a:t/>
+            </a:r>
+            <a:endParaRPr/>
+          </a:p>
+          <a:p>
+            <a:pPr lvl="0" rtl="0">
+              <a:spcBef>
+                <a:spcPts val="0"/>
+              </a:spcBef>
+              <a:buNone/>
+            </a:pPr>
+            <a:r>
+              <a:t/>
+            </a:r>
+            <a:endParaRPr/>
+          </a:p>
+        </p:txBody>
+      </p:sp>
+      <p:sp>
+        <p:nvSpPr>
+          <p:cNvPr id="75" name="Shape 75"/>
+          <p:cNvSpPr/>
+          <p:nvPr/>
+        </p:nvSpPr>
+        <p:spPr>
+          <a:xfrm>
+            <a:off x="6353000" y="985025"/>
+            <a:ext cx="1701299" cy="2013300"/>
+          </a:xfrm>
+          <a:prstGeom prst="rect">
+            <a:avLst/>
+          </a:prstGeom>
+          <a:solidFill>
+            <a:srgbClr val="434343"/>
+          </a:solidFill>
+          <a:ln cap="flat" cmpd="sng" w="9525">
+            <a:solidFill>
+              <a:schemeClr val="dk2"/>
+            </a:solidFill>
+            <a:prstDash val="solid"/>
+            <a:round/>
+            <a:headEnd len="med" w="med" type="none"/>
+            <a:tailEnd len="med" w="med" type="none"/>
+          </a:ln>
+        </p:spPr>
+        <p:txBody>
+          <a:bodyPr anchorCtr="0" anchor="ctr" bIns="91425" lIns="91425" rIns="91425" tIns="91425">
+            <a:noAutofit/>
+          </a:bodyPr>
+          <a:lstStyle/>
+          <a:p>
+            <a:pPr lvl="0">
+              <a:spcBef>
+                <a:spcPts val="0"/>
+              </a:spcBef>
+              <a:buNone/>
+            </a:pPr>
+            <a:r>
+              <a:t/>
+            </a:r>
+            <a:endParaRPr/>
+          </a:p>
+        </p:txBody>
+      </p:sp>
       <p:pic>
         <p:nvPicPr>
-          <p:cNvPr id="73" name="Shape 73"/>
+          <p:cNvPr id="76" name="Shape 76"/>
           <p:cNvPicPr preferRelativeResize="0"/>
           <p:nvPr/>
         </p:nvPicPr>
@@ -5742,8 +5883,156 @@
         </p:blipFill>
         <p:spPr>
           <a:xfrm>
-            <a:off x="5205325" y="0"/>
-            <a:ext cx="3938675" cy="4993575"/>
+            <a:off x="6434048" y="1080000"/>
+            <a:ext cx="1539200" cy="1823350"/>
+          </a:xfrm>
+          <a:prstGeom prst="rect">
+            <a:avLst/>
+          </a:prstGeom>
+          <a:noFill/>
+          <a:ln>
+            <a:noFill/>
+          </a:ln>
+        </p:spPr>
+      </p:pic>
+      <p:sp>
+        <p:nvSpPr>
+          <p:cNvPr id="77" name="Shape 77"/>
+          <p:cNvSpPr/>
+          <p:nvPr/>
+        </p:nvSpPr>
+        <p:spPr>
+          <a:xfrm>
+            <a:off x="3585950" y="1017725"/>
+            <a:ext cx="2063399" cy="1456799"/>
+          </a:xfrm>
+          <a:prstGeom prst="rect">
+            <a:avLst/>
+          </a:prstGeom>
+          <a:solidFill>
+            <a:srgbClr val="434343"/>
+          </a:solidFill>
+          <a:ln cap="flat" cmpd="sng" w="9525">
+            <a:solidFill>
+              <a:schemeClr val="dk2"/>
+            </a:solidFill>
+            <a:prstDash val="solid"/>
+            <a:round/>
+            <a:headEnd len="med" w="med" type="none"/>
+            <a:tailEnd len="med" w="med" type="none"/>
+          </a:ln>
+        </p:spPr>
+        <p:txBody>
+          <a:bodyPr anchorCtr="0" anchor="ctr" bIns="91425" lIns="91425" rIns="91425" tIns="91425">
+            <a:noAutofit/>
+          </a:bodyPr>
+          <a:lstStyle/>
+          <a:p>
+            <a:pPr lvl="0">
+              <a:spcBef>
+                <a:spcPts val="0"/>
+              </a:spcBef>
+              <a:buNone/>
+            </a:pPr>
+            <a:r>
+              <a:t/>
+            </a:r>
+            <a:endParaRPr/>
+          </a:p>
+        </p:txBody>
+      </p:sp>
+      <p:pic>
+        <p:nvPicPr>
+          <p:cNvPr id="78" name="Shape 78"/>
+          <p:cNvPicPr preferRelativeResize="0"/>
+          <p:nvPr/>
+        </p:nvPicPr>
+        <p:blipFill>
+          <a:blip r:embed="rId4">
+            <a:alphaModFix/>
+          </a:blip>
+          <a:stretch>
+            <a:fillRect/>
+          </a:stretch>
+        </p:blipFill>
+        <p:spPr>
+          <a:xfrm>
+            <a:off x="3675176" y="1090275"/>
+            <a:ext cx="1884925" cy="1312625"/>
+          </a:xfrm>
+          <a:prstGeom prst="rect">
+            <a:avLst/>
+          </a:prstGeom>
+          <a:noFill/>
+          <a:ln>
+            <a:noFill/>
+          </a:ln>
+        </p:spPr>
+      </p:pic>
+      <p:sp>
+        <p:nvSpPr>
+          <p:cNvPr id="79" name="Shape 79"/>
+          <p:cNvSpPr/>
+          <p:nvPr/>
+        </p:nvSpPr>
+        <p:spPr>
+          <a:xfrm>
+            <a:off x="679700" y="1017725"/>
+            <a:ext cx="2202600" cy="1312500"/>
+          </a:xfrm>
+          <a:prstGeom prst="rect">
+            <a:avLst/>
+          </a:prstGeom>
+          <a:solidFill>
+            <a:srgbClr val="434343"/>
+          </a:solidFill>
+          <a:ln cap="flat" cmpd="sng" w="9525">
+            <a:solidFill>
+              <a:schemeClr val="dk2"/>
+            </a:solidFill>
+            <a:prstDash val="solid"/>
+            <a:round/>
+            <a:headEnd len="med" w="med" type="none"/>
+            <a:tailEnd len="med" w="med" type="none"/>
+          </a:ln>
+        </p:spPr>
+        <p:txBody>
+          <a:bodyPr anchorCtr="0" anchor="ctr" bIns="91425" lIns="91425" rIns="91425" tIns="91425">
+            <a:noAutofit/>
+          </a:bodyPr>
+          <a:lstStyle/>
+          <a:p>
+            <a:pPr lvl="0">
+              <a:spcBef>
+                <a:spcPts val="0"/>
+              </a:spcBef>
+              <a:buNone/>
+            </a:pPr>
+            <a:r>
+              <a:t/>
+            </a:r>
+            <a:endParaRPr/>
+          </a:p>
+        </p:txBody>
+      </p:sp>
+      <p:pic>
+        <p:nvPicPr>
+          <p:cNvPr id="80" name="Shape 80"/>
+          <p:cNvPicPr preferRelativeResize="0"/>
+          <p:nvPr/>
+        </p:nvPicPr>
+        <p:blipFill>
+          <a:blip r:embed="rId5">
+            <a:alphaModFix/>
+          </a:blip>
+          <a:stretch>
+            <a:fillRect/>
+          </a:stretch>
+        </p:blipFill>
+        <p:spPr>
+          <a:xfrm>
+            <a:off x="779575" y="1102237"/>
+            <a:ext cx="2026400" cy="1134774"/>
           </a:xfrm>
           <a:prstGeom prst="rect">
             <a:avLst/>
@@ -5770,7 +6059,7 @@
   <p:cSld>
     <p:spTree>
       <p:nvGrpSpPr>
-        <p:cNvPr id="77" name="Shape 77"/>
+        <p:cNvPr id="84" name="Shape 84"/>
         <p:cNvGrpSpPr/>
         <p:nvPr/>
       </p:nvGrpSpPr>
@@ -5784,16 +6073,16 @@
       </p:grpSpPr>
       <p:sp>
         <p:nvSpPr>
-          <p:cNvPr id="78" name="Shape 78"/>
+          <p:cNvPr id="85" name="Shape 85"/>
           <p:cNvSpPr txBox="1"/>
           <p:nvPr>
-            <p:ph type="title"/>
-          </p:nvPr>
-        </p:nvSpPr>
-        <p:spPr>
-          <a:xfrm>
-            <a:off x="311700" y="445025"/>
-            <a:ext cx="8520599" cy="572699"/>
+            <p:ph idx="1" type="body"/>
+          </p:nvPr>
+        </p:nvSpPr>
+        <p:spPr>
+          <a:xfrm>
+            <a:off x="496750" y="596750"/>
+            <a:ext cx="3454800" cy="638100"/>
           </a:xfrm>
           <a:prstGeom prst="rect">
             <a:avLst/>
@@ -5812,225 +6101,15 @@
               <a:buNone/>
             </a:pPr>
             <a:r>
-              <a:rPr lang="en" sz="2400">
-                <a:solidFill>
-                  <a:schemeClr val="accent3"/>
-                </a:solidFill>
-              </a:rPr>
-              <a:t>Resources for Students:</a:t>
-            </a:r>
-            <a:r>
-              <a:rPr lang="en" sz="2400"/>
-              <a:t> </a:t>
+              <a:rPr b="1" lang="en"/>
+              <a:t>ALEKS</a:t>
             </a:r>
           </a:p>
         </p:txBody>
       </p:sp>
-      <p:sp>
-        <p:nvSpPr>
-          <p:cNvPr id="79" name="Shape 79"/>
-          <p:cNvSpPr txBox="1"/>
-          <p:nvPr>
-            <p:ph idx="1" type="body"/>
-          </p:nvPr>
-        </p:nvSpPr>
-        <p:spPr>
-          <a:xfrm>
-            <a:off x="944725" y="3389200"/>
-            <a:ext cx="1884900" cy="1038000"/>
-          </a:xfrm>
-          <a:prstGeom prst="rect">
-            <a:avLst/>
-          </a:prstGeom>
-        </p:spPr>
-        <p:txBody>
-          <a:bodyPr anchorCtr="0" anchor="t" bIns="91425" lIns="91425" rIns="91425" tIns="91425">
-            <a:noAutofit/>
-          </a:bodyPr>
-          <a:lstStyle/>
-          <a:p>
-            <a:pPr lvl="0" rtl="0">
-              <a:spcBef>
-                <a:spcPts val="0"/>
-              </a:spcBef>
-              <a:buNone/>
-            </a:pPr>
-            <a:r>
-              <a:rPr lang="en"/>
-              <a:t>Internet (Google, Khan, etc)</a:t>
-            </a:r>
-          </a:p>
-          <a:p>
-            <a:pPr lvl="0">
-              <a:spcBef>
-                <a:spcPts val="0"/>
-              </a:spcBef>
-              <a:buNone/>
-            </a:pPr>
-            <a:r>
-              <a:t/>
-            </a:r>
-            <a:endParaRPr/>
-          </a:p>
-        </p:txBody>
-      </p:sp>
-      <p:sp>
-        <p:nvSpPr>
-          <p:cNvPr id="80" name="Shape 80"/>
-          <p:cNvSpPr txBox="1"/>
-          <p:nvPr>
-            <p:ph idx="1" type="body"/>
-          </p:nvPr>
-        </p:nvSpPr>
-        <p:spPr>
-          <a:xfrm>
-            <a:off x="3953300" y="3389200"/>
-            <a:ext cx="1328700" cy="1185299"/>
-          </a:xfrm>
-          <a:prstGeom prst="rect">
-            <a:avLst/>
-          </a:prstGeom>
-        </p:spPr>
-        <p:txBody>
-          <a:bodyPr anchorCtr="0" anchor="t" bIns="91425" lIns="91425" rIns="91425" tIns="91425">
-            <a:noAutofit/>
-          </a:bodyPr>
-          <a:lstStyle/>
-          <a:p>
-            <a:pPr lvl="0" rtl="0">
-              <a:spcBef>
-                <a:spcPts val="0"/>
-              </a:spcBef>
-              <a:buNone/>
-            </a:pPr>
-            <a:r>
-              <a:rPr lang="en"/>
-              <a:t>Instructors </a:t>
-            </a:r>
-          </a:p>
-          <a:p>
-            <a:pPr lvl="0" rtl="0">
-              <a:spcBef>
-                <a:spcPts val="0"/>
-              </a:spcBef>
-              <a:buNone/>
-            </a:pPr>
-            <a:r>
-              <a:t/>
-            </a:r>
-            <a:endParaRPr/>
-          </a:p>
-        </p:txBody>
-      </p:sp>
-      <p:sp>
-        <p:nvSpPr>
-          <p:cNvPr id="81" name="Shape 81"/>
-          <p:cNvSpPr txBox="1"/>
-          <p:nvPr>
-            <p:ph idx="1" type="body"/>
-          </p:nvPr>
-        </p:nvSpPr>
-        <p:spPr>
-          <a:xfrm>
-            <a:off x="6419900" y="3316150"/>
-            <a:ext cx="1567499" cy="884099"/>
-          </a:xfrm>
-          <a:prstGeom prst="rect">
-            <a:avLst/>
-          </a:prstGeom>
-        </p:spPr>
-        <p:txBody>
-          <a:bodyPr anchorCtr="0" anchor="t" bIns="91425" lIns="91425" rIns="91425" tIns="91425">
-            <a:noAutofit/>
-          </a:bodyPr>
-          <a:lstStyle/>
-          <a:p>
-            <a:pPr lvl="0" rtl="0">
-              <a:spcBef>
-                <a:spcPts val="0"/>
-              </a:spcBef>
-              <a:buNone/>
-            </a:pPr>
-            <a:r>
-              <a:rPr lang="en"/>
-              <a:t>Textbooks</a:t>
-            </a:r>
-          </a:p>
-          <a:p>
-            <a:pPr lvl="0" rtl="0">
-              <a:spcBef>
-                <a:spcPts val="0"/>
-              </a:spcBef>
-              <a:buNone/>
-            </a:pPr>
-            <a:r>
-              <a:t/>
-            </a:r>
-            <a:endParaRPr/>
-          </a:p>
-          <a:p>
-            <a:pPr lvl="0" rtl="0">
-              <a:spcBef>
-                <a:spcPts val="0"/>
-              </a:spcBef>
-              <a:buNone/>
-            </a:pPr>
-            <a:r>
-              <a:t/>
-            </a:r>
-            <a:endParaRPr/>
-          </a:p>
-        </p:txBody>
-      </p:sp>
-      <p:sp>
-        <p:nvSpPr>
-          <p:cNvPr id="82" name="Shape 82"/>
-          <p:cNvSpPr/>
-          <p:nvPr/>
-        </p:nvSpPr>
-        <p:spPr>
-          <a:xfrm>
-            <a:off x="6353000" y="985025"/>
-            <a:ext cx="1701299" cy="2013300"/>
-          </a:xfrm>
-          <a:prstGeom prst="rect">
-            <a:avLst/>
-          </a:prstGeom>
-          <a:solidFill>
-            <a:srgbClr val="434343"/>
-          </a:solidFill>
-          <a:ln cap="flat" cmpd="sng" w="9525">
-            <a:solidFill>
-              <a:schemeClr val="dk2"/>
-            </a:solidFill>
-            <a:prstDash val="solid"/>
-            <a:round/>
-            <a:headEnd len="med" w="med" type="none"/>
-            <a:tailEnd len="med" w="med" type="none"/>
-          </a:ln>
-        </p:spPr>
-        <p:txBody>
-          <a:bodyPr anchorCtr="0" anchor="ctr" bIns="91425" lIns="91425" rIns="91425" tIns="91425">
-            <a:noAutofit/>
-          </a:bodyPr>
-          <a:lstStyle/>
-          <a:p>
-            <a:pPr lvl="0">
-              <a:spcBef>
-                <a:spcPts val="0"/>
-              </a:spcBef>
-              <a:buNone/>
-            </a:pPr>
-            <a:r>
-              <a:t/>
-            </a:r>
-            <a:endParaRPr/>
-          </a:p>
-        </p:txBody>
-      </p:sp>
       <p:pic>
         <p:nvPicPr>
-          <p:cNvPr id="83" name="Shape 83"/>
+          <p:cNvPr id="86" name="Shape 86"/>
           <p:cNvPicPr preferRelativeResize="0"/>
           <p:nvPr/>
         </p:nvPicPr>
@@ -6044,8 +6123,8 @@
         </p:blipFill>
         <p:spPr>
           <a:xfrm>
-            <a:off x="6434048" y="1080000"/>
-            <a:ext cx="1539200" cy="1823350"/>
+            <a:off x="4870849" y="1378725"/>
+            <a:ext cx="3792475" cy="3351950"/>
           </a:xfrm>
           <a:prstGeom prst="rect">
             <a:avLst/>
@@ -6056,55 +6135,9 @@
           </a:ln>
         </p:spPr>
       </p:pic>
-      <p:sp>
-        <p:nvSpPr>
-          <p:cNvPr id="84" name="Shape 84"/>
-          <p:cNvSpPr/>
-          <p:nvPr/>
-        </p:nvSpPr>
-        <p:spPr>
-          <a:xfrm>
-            <a:off x="3585950" y="1017725"/>
-            <a:ext cx="2063399" cy="1456799"/>
-          </a:xfrm>
-          <a:prstGeom prst="rect">
-            <a:avLst/>
-          </a:prstGeom>
-          <a:solidFill>
-            <a:srgbClr val="434343"/>
-          </a:solidFill>
-          <a:ln cap="flat" cmpd="sng" w="9525">
-            <a:solidFill>
-              <a:schemeClr val="dk2"/>
-            </a:solidFill>
-            <a:prstDash val="solid"/>
-            <a:round/>
-            <a:headEnd len="med" w="med" type="none"/>
-            <a:tailEnd len="med" w="med" type="none"/>
-          </a:ln>
-        </p:spPr>
-        <p:txBody>
-          <a:bodyPr anchorCtr="0" anchor="ctr" bIns="91425" lIns="91425" rIns="91425" tIns="91425">
-            <a:noAutofit/>
-          </a:bodyPr>
-          <a:lstStyle/>
-          <a:p>
-            <a:pPr lvl="0">
-              <a:spcBef>
-                <a:spcPts val="0"/>
-              </a:spcBef>
-              <a:buNone/>
-            </a:pPr>
-            <a:r>
-              <a:t/>
-            </a:r>
-            <a:endParaRPr/>
-          </a:p>
-        </p:txBody>
-      </p:sp>
       <p:pic>
         <p:nvPicPr>
-          <p:cNvPr id="85" name="Shape 85"/>
+          <p:cNvPr id="87" name="Shape 87"/>
           <p:cNvPicPr preferRelativeResize="0"/>
           <p:nvPr/>
         </p:nvPicPr>
@@ -6118,8 +6151,8 @@
         </p:blipFill>
         <p:spPr>
           <a:xfrm>
-            <a:off x="3675176" y="1090275"/>
-            <a:ext cx="1884925" cy="1312625"/>
+            <a:off x="442250" y="1378725"/>
+            <a:ext cx="3914450" cy="2976775"/>
           </a:xfrm>
           <a:prstGeom prst="rect">
             <a:avLst/>
@@ -6132,78 +6165,40 @@
       </p:pic>
       <p:sp>
         <p:nvSpPr>
-          <p:cNvPr id="86" name="Shape 86"/>
-          <p:cNvSpPr/>
-          <p:nvPr/>
-        </p:nvSpPr>
-        <p:spPr>
-          <a:xfrm>
-            <a:off x="679700" y="1017725"/>
-            <a:ext cx="2202600" cy="1312500"/>
-          </a:xfrm>
-          <a:prstGeom prst="rect">
-            <a:avLst/>
-          </a:prstGeom>
-          <a:solidFill>
-            <a:srgbClr val="434343"/>
-          </a:solidFill>
-          <a:ln cap="flat" cmpd="sng" w="9525">
-            <a:solidFill>
-              <a:schemeClr val="dk2"/>
-            </a:solidFill>
-            <a:prstDash val="solid"/>
-            <a:round/>
-            <a:headEnd len="med" w="med" type="none"/>
-            <a:tailEnd len="med" w="med" type="none"/>
-          </a:ln>
+          <p:cNvPr id="88" name="Shape 88"/>
+          <p:cNvSpPr txBox="1"/>
+          <p:nvPr>
+            <p:ph idx="1" type="body"/>
+          </p:nvPr>
+        </p:nvSpPr>
+        <p:spPr>
+          <a:xfrm>
+            <a:off x="5327300" y="693575"/>
+            <a:ext cx="3454800" cy="638100"/>
+          </a:xfrm>
+          <a:prstGeom prst="rect">
+            <a:avLst/>
+          </a:prstGeom>
         </p:spPr>
         <p:txBody>
-          <a:bodyPr anchorCtr="0" anchor="ctr" bIns="91425" lIns="91425" rIns="91425" tIns="91425">
+          <a:bodyPr anchorCtr="0" anchor="t" bIns="91425" lIns="91425" rIns="91425" tIns="91425">
             <a:noAutofit/>
           </a:bodyPr>
           <a:lstStyle/>
           <a:p>
-            <a:pPr lvl="0">
+            <a:pPr lvl="0" rtl="0">
               <a:spcBef>
                 <a:spcPts val="0"/>
               </a:spcBef>
               <a:buNone/>
             </a:pPr>
             <a:r>
-              <a:t/>
+              <a:rPr b="1" lang="en"/>
+              <a:t>Khan Academy</a:t>
             </a:r>
-            <a:endParaRPr/>
           </a:p>
         </p:txBody>
       </p:sp>
-      <p:pic>
-        <p:nvPicPr>
-          <p:cNvPr id="87" name="Shape 87"/>
-          <p:cNvPicPr preferRelativeResize="0"/>
-          <p:nvPr/>
-        </p:nvPicPr>
-        <p:blipFill>
-          <a:blip r:embed="rId5">
-            <a:alphaModFix/>
-          </a:blip>
-          <a:stretch>
-            <a:fillRect/>
-          </a:stretch>
-        </p:blipFill>
-        <p:spPr>
-          <a:xfrm>
-            <a:off x="779575" y="1102237"/>
-            <a:ext cx="2026400" cy="1134774"/>
-          </a:xfrm>
-          <a:prstGeom prst="rect">
-            <a:avLst/>
-          </a:prstGeom>
-          <a:noFill/>
-          <a:ln>
-            <a:noFill/>
-          </a:ln>
-        </p:spPr>
-      </p:pic>
     </p:spTree>
   </p:cSld>
   <p:clrMapOvr>
@@ -6220,7 +6215,7 @@
   <p:cSld>
     <p:spTree>
       <p:nvGrpSpPr>
-        <p:cNvPr id="91" name="Shape 91"/>
+        <p:cNvPr id="92" name="Shape 92"/>
         <p:cNvGrpSpPr/>
         <p:nvPr/>
       </p:nvGrpSpPr>
@@ -6234,16 +6229,16 @@
       </p:grpSpPr>
       <p:sp>
         <p:nvSpPr>
-          <p:cNvPr id="92" name="Shape 92"/>
+          <p:cNvPr id="93" name="Shape 93"/>
           <p:cNvSpPr txBox="1"/>
           <p:nvPr>
-            <p:ph idx="1" type="body"/>
-          </p:nvPr>
-        </p:nvSpPr>
-        <p:spPr>
-          <a:xfrm>
-            <a:off x="496750" y="596750"/>
-            <a:ext cx="3454800" cy="638100"/>
+            <p:ph type="title"/>
+          </p:nvPr>
+        </p:nvSpPr>
+        <p:spPr>
+          <a:xfrm>
+            <a:off x="311700" y="445025"/>
+            <a:ext cx="8520600" cy="572700"/>
           </a:xfrm>
           <a:prstGeom prst="rect">
             <a:avLst/>
@@ -6262,15 +6257,51 @@
               <a:buNone/>
             </a:pPr>
             <a:r>
-              <a:rPr b="1" lang="en"/>
-              <a:t>ALEKS</a:t>
+              <a:t/>
             </a:r>
+            <a:endParaRPr/>
           </a:p>
         </p:txBody>
       </p:sp>
+      <p:sp>
+        <p:nvSpPr>
+          <p:cNvPr id="94" name="Shape 94"/>
+          <p:cNvSpPr txBox="1"/>
+          <p:nvPr>
+            <p:ph idx="1" type="body"/>
+          </p:nvPr>
+        </p:nvSpPr>
+        <p:spPr>
+          <a:xfrm>
+            <a:off x="311700" y="1152475"/>
+            <a:ext cx="8520600" cy="3416400"/>
+          </a:xfrm>
+          <a:prstGeom prst="rect">
+            <a:avLst/>
+          </a:prstGeom>
+        </p:spPr>
+        <p:txBody>
+          <a:bodyPr anchorCtr="0" anchor="t" bIns="91425" lIns="91425" rIns="91425" tIns="91425">
+            <a:noAutofit/>
+          </a:bodyPr>
+          <a:lstStyle/>
+          <a:p>
+            <a:pPr lvl="0">
+              <a:spcBef>
+                <a:spcPts val="0"/>
+              </a:spcBef>
+              <a:buNone/>
+            </a:pPr>
+            <a:r>
+              <a:t/>
+            </a:r>
+            <a:endParaRPr/>
+          </a:p>
+        </p:txBody>
+      </p:sp>
       <p:pic>
         <p:nvPicPr>
-          <p:cNvPr id="93" name="Shape 93"/>
+          <p:cNvPr id="95" name="Shape 95"/>
           <p:cNvPicPr preferRelativeResize="0"/>
           <p:nvPr/>
         </p:nvPicPr>
@@ -6284,8 +6315,8 @@
         </p:blipFill>
         <p:spPr>
           <a:xfrm>
-            <a:off x="4870849" y="1378725"/>
-            <a:ext cx="3792475" cy="3351950"/>
+            <a:off x="3055426" y="222274"/>
+            <a:ext cx="3033150" cy="4433425"/>
           </a:xfrm>
           <a:prstGeom prst="rect">
             <a:avLst/>
@@ -6296,70 +6327,6 @@
           </a:ln>
         </p:spPr>
       </p:pic>
-      <p:pic>
-        <p:nvPicPr>
-          <p:cNvPr id="94" name="Shape 94"/>
-          <p:cNvPicPr preferRelativeResize="0"/>
-          <p:nvPr/>
-        </p:nvPicPr>
-        <p:blipFill>
-          <a:blip r:embed="rId4">
-            <a:alphaModFix/>
-          </a:blip>
-          <a:stretch>
-            <a:fillRect/>
-          </a:stretch>
-        </p:blipFill>
-        <p:spPr>
-          <a:xfrm>
-            <a:off x="442250" y="1378725"/>
-            <a:ext cx="3914450" cy="2976775"/>
-          </a:xfrm>
-          <a:prstGeom prst="rect">
-            <a:avLst/>
-          </a:prstGeom>
-          <a:noFill/>
-          <a:ln>
-            <a:noFill/>
-          </a:ln>
-        </p:spPr>
-      </p:pic>
-      <p:sp>
-        <p:nvSpPr>
-          <p:cNvPr id="95" name="Shape 95"/>
-          <p:cNvSpPr txBox="1"/>
-          <p:nvPr>
-            <p:ph idx="1" type="body"/>
-          </p:nvPr>
-        </p:nvSpPr>
-        <p:spPr>
-          <a:xfrm>
-            <a:off x="5327300" y="693575"/>
-            <a:ext cx="3454800" cy="638100"/>
-          </a:xfrm>
-          <a:prstGeom prst="rect">
-            <a:avLst/>
-          </a:prstGeom>
-        </p:spPr>
-        <p:txBody>
-          <a:bodyPr anchorCtr="0" anchor="t" bIns="91425" lIns="91425" rIns="91425" tIns="91425">
-            <a:noAutofit/>
-          </a:bodyPr>
-          <a:lstStyle/>
-          <a:p>
-            <a:pPr lvl="0" rtl="0">
-              <a:spcBef>
-                <a:spcPts val="0"/>
-              </a:spcBef>
-              <a:buNone/>
-            </a:pPr>
-            <a:r>
-              <a:rPr b="1" lang="en"/>
-              <a:t>Khan Academy</a:t>
-            </a:r>
-          </a:p>
-        </p:txBody>
-      </p:sp>
     </p:spTree>
   </p:cSld>
   <p:clrMapOvr>
@@ -6399,7 +6366,7 @@
         <p:spPr>
           <a:xfrm>
             <a:off x="311700" y="445025"/>
-            <a:ext cx="8520599" cy="572699"/>
+            <a:ext cx="8520600" cy="572700"/>
           </a:xfrm>
           <a:prstGeom prst="rect">
             <a:avLst/>
@@ -6419,7 +6386,7 @@
             </a:pPr>
             <a:r>
               <a:rPr lang="en"/>
-              <a:t>PEP Tutor</a:t>
+              <a:t>Peer Perspective</a:t>
             </a:r>
           </a:p>
         </p:txBody>
@@ -6434,8 +6401,8 @@
         </p:nvSpPr>
         <p:spPr>
           <a:xfrm>
-            <a:off x="311700" y="2193250"/>
-            <a:ext cx="2587500" cy="2341500"/>
+            <a:off x="311700" y="3142175"/>
+            <a:ext cx="2758800" cy="1426800"/>
           </a:xfrm>
           <a:prstGeom prst="rect">
             <a:avLst/>
@@ -6447,7 +6414,7 @@
           </a:bodyPr>
           <a:lstStyle/>
           <a:p>
-            <a:pPr lvl="0" rtl="0">
+            <a:pPr indent="457200" lvl="0" marL="457200">
               <a:spcBef>
                 <a:spcPts val="0"/>
               </a:spcBef>
@@ -6455,272 +6422,14 @@
             </a:pPr>
             <a:r>
               <a:rPr lang="en"/>
-              <a:t>Misconceptions</a:t>
-            </a:r>
-          </a:p>
-          <a:p>
-            <a:pPr lvl="0" rtl="0">
-              <a:spcBef>
-                <a:spcPts val="0"/>
-              </a:spcBef>
-              <a:buNone/>
-            </a:pPr>
-            <a:r>
-              <a:t/>
-            </a:r>
-            <a:endParaRPr/>
-          </a:p>
-          <a:p>
-            <a:pPr lvl="0" rtl="0">
-              <a:spcBef>
-                <a:spcPts val="0"/>
-              </a:spcBef>
-              <a:buNone/>
-            </a:pPr>
-            <a:r>
-              <a:t/>
-            </a:r>
-            <a:endParaRPr/>
-          </a:p>
-          <a:p>
-            <a:pPr lvl="0" rtl="0">
-              <a:spcBef>
-                <a:spcPts val="0"/>
-              </a:spcBef>
-              <a:buNone/>
-            </a:pPr>
-            <a:r>
-              <a:t/>
-            </a:r>
-            <a:endParaRPr/>
-          </a:p>
-        </p:txBody>
-      </p:sp>
-      <p:sp>
-        <p:nvSpPr>
-          <p:cNvPr id="102" name="Shape 102"/>
-          <p:cNvSpPr txBox="1"/>
-          <p:nvPr>
-            <p:ph idx="1" type="body"/>
-          </p:nvPr>
-        </p:nvSpPr>
-        <p:spPr>
-          <a:xfrm>
-            <a:off x="3228250" y="2193250"/>
-            <a:ext cx="2587500" cy="1821300"/>
-          </a:xfrm>
-          <a:prstGeom prst="rect">
-            <a:avLst/>
-          </a:prstGeom>
-        </p:spPr>
-        <p:txBody>
-          <a:bodyPr anchorCtr="0" anchor="t" bIns="91425" lIns="91425" rIns="91425" tIns="91425">
-            <a:noAutofit/>
-          </a:bodyPr>
-          <a:lstStyle/>
-          <a:p>
-            <a:pPr lvl="0" rtl="0">
-              <a:spcBef>
-                <a:spcPts val="0"/>
-              </a:spcBef>
-              <a:buNone/>
-            </a:pPr>
-            <a:r>
-              <a:rPr lang="en"/>
-              <a:t>Randomly generated problem with misconception</a:t>
-            </a:r>
-          </a:p>
-          <a:p>
-            <a:pPr lvl="0" rtl="0">
-              <a:spcBef>
-                <a:spcPts val="0"/>
-              </a:spcBef>
-              <a:buNone/>
-            </a:pPr>
-            <a:r>
-              <a:t/>
-            </a:r>
-            <a:endParaRPr/>
-          </a:p>
-          <a:p>
-            <a:pPr lvl="0" rtl="0">
-              <a:spcBef>
-                <a:spcPts val="0"/>
-              </a:spcBef>
-              <a:buNone/>
-            </a:pPr>
-            <a:r>
-              <a:t/>
-            </a:r>
-            <a:endParaRPr/>
-          </a:p>
-        </p:txBody>
-      </p:sp>
-      <p:sp>
-        <p:nvSpPr>
-          <p:cNvPr id="103" name="Shape 103"/>
-          <p:cNvSpPr txBox="1"/>
-          <p:nvPr>
-            <p:ph idx="1" type="body"/>
-          </p:nvPr>
-        </p:nvSpPr>
-        <p:spPr>
-          <a:xfrm>
-            <a:off x="6198875" y="2193250"/>
-            <a:ext cx="2587500" cy="1266900"/>
-          </a:xfrm>
-          <a:prstGeom prst="rect">
-            <a:avLst/>
-          </a:prstGeom>
-        </p:spPr>
-        <p:txBody>
-          <a:bodyPr anchorCtr="0" anchor="t" bIns="91425" lIns="91425" rIns="91425" tIns="91425">
-            <a:noAutofit/>
-          </a:bodyPr>
-          <a:lstStyle/>
-          <a:p>
-            <a:pPr lvl="0" rtl="0">
-              <a:spcBef>
-                <a:spcPts val="0"/>
-              </a:spcBef>
-              <a:buNone/>
-            </a:pPr>
-            <a:r>
-              <a:rPr lang="en"/>
-              <a:t>Progression system with increasing difficulty</a:t>
+              <a:t>Topics </a:t>
             </a:r>
           </a:p>
         </p:txBody>
       </p:sp>
-      <p:sp>
-        <p:nvSpPr>
-          <p:cNvPr id="104" name="Shape 104"/>
-          <p:cNvSpPr txBox="1"/>
-          <p:nvPr/>
-        </p:nvSpPr>
-        <p:spPr>
-          <a:xfrm>
-            <a:off x="736650" y="1270575"/>
-            <a:ext cx="844799" cy="777299"/>
-          </a:xfrm>
-          <a:prstGeom prst="rect">
-            <a:avLst/>
-          </a:prstGeom>
-          <a:noFill/>
-          <a:ln>
-            <a:noFill/>
-          </a:ln>
-        </p:spPr>
-        <p:txBody>
-          <a:bodyPr anchorCtr="0" anchor="t" bIns="91425" lIns="91425" rIns="91425" tIns="91425">
-            <a:noAutofit/>
-          </a:bodyPr>
-          <a:lstStyle/>
-          <a:p>
-            <a:pPr lvl="0" algn="ctr">
-              <a:spcBef>
-                <a:spcPts val="0"/>
-              </a:spcBef>
-              <a:buNone/>
-            </a:pPr>
-            <a:r>
-              <a:rPr lang="en" sz="2400">
-                <a:solidFill>
-                  <a:srgbClr val="FFFFFF"/>
-                </a:solidFill>
-              </a:rPr>
-              <a:t>1</a:t>
-            </a:r>
-          </a:p>
-        </p:txBody>
-      </p:sp>
-      <p:sp>
-        <p:nvSpPr>
-          <p:cNvPr id="105" name="Shape 105"/>
-          <p:cNvSpPr txBox="1"/>
-          <p:nvPr/>
-        </p:nvSpPr>
-        <p:spPr>
-          <a:xfrm>
-            <a:off x="3788575" y="1270575"/>
-            <a:ext cx="844800" cy="777300"/>
-          </a:xfrm>
-          <a:prstGeom prst="rect">
-            <a:avLst/>
-          </a:prstGeom>
-          <a:noFill/>
-          <a:ln>
-            <a:noFill/>
-          </a:ln>
-        </p:spPr>
-        <p:txBody>
-          <a:bodyPr anchorCtr="0" anchor="t" bIns="91425" lIns="91425" rIns="91425" tIns="91425">
-            <a:noAutofit/>
-          </a:bodyPr>
-          <a:lstStyle/>
-          <a:p>
-            <a:pPr lvl="0" rtl="0" algn="ctr">
-              <a:spcBef>
-                <a:spcPts val="0"/>
-              </a:spcBef>
-              <a:buNone/>
-            </a:pPr>
-            <a:r>
-              <a:rPr lang="en" sz="2400">
-                <a:solidFill>
-                  <a:srgbClr val="FFFFFF"/>
-                </a:solidFill>
-              </a:rPr>
-              <a:t>2</a:t>
-            </a:r>
-          </a:p>
-        </p:txBody>
-      </p:sp>
-      <p:sp>
-        <p:nvSpPr>
-          <p:cNvPr id="106" name="Shape 106"/>
-          <p:cNvSpPr txBox="1"/>
-          <p:nvPr/>
-        </p:nvSpPr>
-        <p:spPr>
-          <a:xfrm>
-            <a:off x="6982000" y="1270575"/>
-            <a:ext cx="844799" cy="777299"/>
-          </a:xfrm>
-          <a:prstGeom prst="rect">
-            <a:avLst/>
-          </a:prstGeom>
-          <a:noFill/>
-          <a:ln>
-            <a:noFill/>
-          </a:ln>
-        </p:spPr>
-        <p:txBody>
-          <a:bodyPr anchorCtr="0" anchor="t" bIns="91425" lIns="91425" rIns="91425" tIns="91425">
-            <a:noAutofit/>
-          </a:bodyPr>
-          <a:lstStyle/>
-          <a:p>
-            <a:pPr lvl="0" rtl="0" algn="ctr">
-              <a:spcBef>
-                <a:spcPts val="0"/>
-              </a:spcBef>
-              <a:buNone/>
-            </a:pPr>
-            <a:r>
-              <a:rPr lang="en" sz="2400">
-                <a:solidFill>
-                  <a:srgbClr val="FFFFFF"/>
-                </a:solidFill>
-              </a:rPr>
-              <a:t>3</a:t>
-            </a:r>
-          </a:p>
-        </p:txBody>
-      </p:sp>
       <p:pic>
         <p:nvPicPr>
-          <p:cNvPr id="107" name="Shape 107"/>
+          <p:cNvPr id="102" name="Shape 102"/>
           <p:cNvPicPr preferRelativeResize="0"/>
           <p:nvPr/>
         </p:nvPicPr>
@@ -6734,8 +6443,8 @@
         </p:blipFill>
         <p:spPr>
           <a:xfrm>
-            <a:off x="372150" y="2644237"/>
-            <a:ext cx="1517300" cy="364925"/>
+            <a:off x="331800" y="1230575"/>
+            <a:ext cx="2718599" cy="1600200"/>
           </a:xfrm>
           <a:prstGeom prst="rect">
             <a:avLst/>
@@ -6746,9 +6455,45 @@
           </a:ln>
         </p:spPr>
       </p:pic>
+      <p:sp>
+        <p:nvSpPr>
+          <p:cNvPr id="103" name="Shape 103"/>
+          <p:cNvSpPr txBox="1"/>
+          <p:nvPr>
+            <p:ph idx="1" type="body"/>
+          </p:nvPr>
+        </p:nvSpPr>
+        <p:spPr>
+          <a:xfrm>
+            <a:off x="3437649" y="3213850"/>
+            <a:ext cx="2448900" cy="1426800"/>
+          </a:xfrm>
+          <a:prstGeom prst="rect">
+            <a:avLst/>
+          </a:prstGeom>
+        </p:spPr>
+        <p:txBody>
+          <a:bodyPr anchorCtr="0" anchor="t" bIns="91425" lIns="91425" rIns="91425" tIns="91425">
+            <a:noAutofit/>
+          </a:bodyPr>
+          <a:lstStyle/>
+          <a:p>
+            <a:pPr indent="0" lvl="0" marL="0" rtl="0" algn="l">
+              <a:spcBef>
+                <a:spcPts val="0"/>
+              </a:spcBef>
+              <a:buNone/>
+            </a:pPr>
+            <a:r>
+              <a:rPr lang="en"/>
+              <a:t>List of Misconceptions per topic</a:t>
+            </a:r>
+          </a:p>
+        </p:txBody>
+      </p:sp>
       <p:pic>
         <p:nvPicPr>
-          <p:cNvPr id="108" name="Shape 108"/>
+          <p:cNvPr id="104" name="Shape 104"/>
           <p:cNvPicPr preferRelativeResize="0"/>
           <p:nvPr/>
         </p:nvPicPr>
@@ -6762,8 +6507,8 @@
         </p:blipFill>
         <p:spPr>
           <a:xfrm>
-            <a:off x="372150" y="2984474"/>
-            <a:ext cx="1517299" cy="417774"/>
+            <a:off x="3805237" y="1078175"/>
+            <a:ext cx="1533525" cy="1905000"/>
           </a:xfrm>
           <a:prstGeom prst="rect">
             <a:avLst/>
@@ -6776,7 +6521,7 @@
       </p:pic>
       <p:pic>
         <p:nvPicPr>
-          <p:cNvPr id="109" name="Shape 109"/>
+          <p:cNvPr id="105" name="Shape 105"/>
           <p:cNvPicPr preferRelativeResize="0"/>
           <p:nvPr/>
         </p:nvPicPr>
@@ -6790,8 +6535,8 @@
         </p:blipFill>
         <p:spPr>
           <a:xfrm>
-            <a:off x="372150" y="3371375"/>
-            <a:ext cx="1517299" cy="364925"/>
+            <a:off x="6049625" y="1230574"/>
+            <a:ext cx="2782674" cy="1600200"/>
           </a:xfrm>
           <a:prstGeom prst="rect">
             <a:avLst/>
@@ -6802,34 +6547,42 @@
           </a:ln>
         </p:spPr>
       </p:pic>
-      <p:pic>
-        <p:nvPicPr>
-          <p:cNvPr id="110" name="Shape 110"/>
-          <p:cNvPicPr preferRelativeResize="0"/>
-          <p:nvPr/>
-        </p:nvPicPr>
-        <p:blipFill>
-          <a:blip r:embed="rId6">
-            <a:alphaModFix/>
-          </a:blip>
-          <a:stretch>
-            <a:fillRect/>
-          </a:stretch>
-        </p:blipFill>
-        <p:spPr>
-          <a:xfrm>
-            <a:off x="3326675" y="3318519"/>
-            <a:ext cx="1893913" cy="417774"/>
-          </a:xfrm>
-          <a:prstGeom prst="rect">
-            <a:avLst/>
-          </a:prstGeom>
-          <a:noFill/>
-          <a:ln>
-            <a:noFill/>
-          </a:ln>
-        </p:spPr>
-      </p:pic>
+      <p:sp>
+        <p:nvSpPr>
+          <p:cNvPr id="106" name="Shape 106"/>
+          <p:cNvSpPr txBox="1"/>
+          <p:nvPr>
+            <p:ph idx="1" type="body"/>
+          </p:nvPr>
+        </p:nvSpPr>
+        <p:spPr>
+          <a:xfrm>
+            <a:off x="6216512" y="3213850"/>
+            <a:ext cx="2448900" cy="1426800"/>
+          </a:xfrm>
+          <a:prstGeom prst="rect">
+            <a:avLst/>
+          </a:prstGeom>
+        </p:spPr>
+        <p:txBody>
+          <a:bodyPr anchorCtr="0" anchor="t" bIns="91425" lIns="91425" rIns="91425" tIns="91425">
+            <a:noAutofit/>
+          </a:bodyPr>
+          <a:lstStyle/>
+          <a:p>
+            <a:pPr indent="0" lvl="0" marL="0" rtl="0" algn="ctr">
+              <a:spcBef>
+                <a:spcPts val="0"/>
+              </a:spcBef>
+              <a:buNone/>
+            </a:pPr>
+            <a:r>
+              <a:rPr lang="en"/>
+              <a:t>Problems</a:t>
+            </a:r>
+          </a:p>
+        </p:txBody>
+      </p:sp>
     </p:spTree>
   </p:cSld>
   <p:clrMapOvr>
@@ -6846,7 +6599,7 @@
   <p:cSld>
     <p:spTree>
       <p:nvGrpSpPr>
-        <p:cNvPr id="114" name="Shape 114"/>
+        <p:cNvPr id="110" name="Shape 110"/>
         <p:cNvGrpSpPr/>
         <p:nvPr/>
       </p:nvGrpSpPr>
@@ -6860,7 +6613,7 @@
       </p:grpSpPr>
       <p:sp>
         <p:nvSpPr>
-          <p:cNvPr id="115" name="Shape 115"/>
+          <p:cNvPr id="111" name="Shape 111"/>
           <p:cNvSpPr txBox="1"/>
           <p:nvPr>
             <p:ph type="title"/>
@@ -6888,15 +6641,15 @@
               <a:buNone/>
             </a:pPr>
             <a:r>
-              <a:t/>
+              <a:rPr lang="en"/>
+              <a:t>Problems</a:t>
             </a:r>
-            <a:endParaRPr/>
           </a:p>
         </p:txBody>
       </p:sp>
       <p:sp>
         <p:nvSpPr>
-          <p:cNvPr id="116" name="Shape 116"/>
+          <p:cNvPr id="112" name="Shape 112"/>
           <p:cNvSpPr txBox="1"/>
           <p:nvPr>
             <p:ph idx="1" type="body"/>
@@ -6904,8 +6657,8 @@
         </p:nvSpPr>
         <p:spPr>
           <a:xfrm>
-            <a:off x="311700" y="1152475"/>
-            <a:ext cx="8520600" cy="3416400"/>
+            <a:off x="311700" y="2193250"/>
+            <a:ext cx="2587500" cy="2341500"/>
           </a:xfrm>
           <a:prstGeom prst="rect">
             <a:avLst/>
@@ -6917,7 +6670,43 @@
           </a:bodyPr>
           <a:lstStyle/>
           <a:p>
-            <a:pPr lvl="0">
+            <a:pPr lvl="0" rtl="0">
+              <a:spcBef>
+                <a:spcPts val="0"/>
+              </a:spcBef>
+              <a:buNone/>
+            </a:pPr>
+            <a:r>
+              <a:rPr lang="en"/>
+              <a:t>Misconception Randomly Selected</a:t>
+            </a:r>
+          </a:p>
+          <a:p>
+            <a:pPr lvl="0" rtl="0">
+              <a:spcBef>
+                <a:spcPts val="0"/>
+              </a:spcBef>
+              <a:buNone/>
+            </a:pPr>
+            <a:r>
+              <a:t/>
+            </a:r>
+            <a:endParaRPr/>
+          </a:p>
+          <a:p>
+            <a:pPr lvl="0" rtl="0">
+              <a:spcBef>
+                <a:spcPts val="0"/>
+              </a:spcBef>
+              <a:buNone/>
+            </a:pPr>
+            <a:r>
+              <a:t/>
+            </a:r>
+            <a:endParaRPr/>
+          </a:p>
+          <a:p>
+            <a:pPr lvl="0" rtl="0">
               <a:spcBef>
                 <a:spcPts val="0"/>
               </a:spcBef>
@@ -6930,9 +6719,231 @@
           </a:p>
         </p:txBody>
       </p:sp>
+      <p:sp>
+        <p:nvSpPr>
+          <p:cNvPr id="113" name="Shape 113"/>
+          <p:cNvSpPr txBox="1"/>
+          <p:nvPr>
+            <p:ph idx="1" type="body"/>
+          </p:nvPr>
+        </p:nvSpPr>
+        <p:spPr>
+          <a:xfrm>
+            <a:off x="3228250" y="2193250"/>
+            <a:ext cx="2587500" cy="1821300"/>
+          </a:xfrm>
+          <a:prstGeom prst="rect">
+            <a:avLst/>
+          </a:prstGeom>
+        </p:spPr>
+        <p:txBody>
+          <a:bodyPr anchorCtr="0" anchor="t" bIns="91425" lIns="91425" rIns="91425" tIns="91425">
+            <a:noAutofit/>
+          </a:bodyPr>
+          <a:lstStyle/>
+          <a:p>
+            <a:pPr lvl="0" rtl="0">
+              <a:spcBef>
+                <a:spcPts val="0"/>
+              </a:spcBef>
+              <a:buNone/>
+            </a:pPr>
+            <a:r>
+              <a:rPr lang="en"/>
+              <a:t>Randomly generated problem injected with a misconception</a:t>
+            </a:r>
+          </a:p>
+          <a:p>
+            <a:pPr lvl="0" rtl="0">
+              <a:spcBef>
+                <a:spcPts val="0"/>
+              </a:spcBef>
+              <a:buNone/>
+            </a:pPr>
+            <a:r>
+              <a:t/>
+            </a:r>
+            <a:endParaRPr/>
+          </a:p>
+          <a:p>
+            <a:pPr lvl="0" rtl="0">
+              <a:spcBef>
+                <a:spcPts val="0"/>
+              </a:spcBef>
+              <a:buNone/>
+            </a:pPr>
+            <a:r>
+              <a:t/>
+            </a:r>
+            <a:endParaRPr/>
+          </a:p>
+        </p:txBody>
+      </p:sp>
+      <p:sp>
+        <p:nvSpPr>
+          <p:cNvPr id="114" name="Shape 114"/>
+          <p:cNvSpPr txBox="1"/>
+          <p:nvPr>
+            <p:ph idx="1" type="body"/>
+          </p:nvPr>
+        </p:nvSpPr>
+        <p:spPr>
+          <a:xfrm>
+            <a:off x="6198875" y="2193250"/>
+            <a:ext cx="2587500" cy="1266900"/>
+          </a:xfrm>
+          <a:prstGeom prst="rect">
+            <a:avLst/>
+          </a:prstGeom>
+        </p:spPr>
+        <p:txBody>
+          <a:bodyPr anchorCtr="0" anchor="t" bIns="91425" lIns="91425" rIns="91425" tIns="91425">
+            <a:noAutofit/>
+          </a:bodyPr>
+          <a:lstStyle/>
+          <a:p>
+            <a:pPr lvl="0" rtl="0">
+              <a:spcBef>
+                <a:spcPts val="0"/>
+              </a:spcBef>
+              <a:buNone/>
+            </a:pPr>
+            <a:r>
+              <a:rPr lang="en"/>
+              <a:t>Progression system with increasing difficulty</a:t>
+            </a:r>
+          </a:p>
+        </p:txBody>
+      </p:sp>
+      <p:sp>
+        <p:nvSpPr>
+          <p:cNvPr id="115" name="Shape 115"/>
+          <p:cNvSpPr txBox="1"/>
+          <p:nvPr/>
+        </p:nvSpPr>
+        <p:spPr>
+          <a:xfrm>
+            <a:off x="736650" y="1270575"/>
+            <a:ext cx="844799" cy="777299"/>
+          </a:xfrm>
+          <a:prstGeom prst="rect">
+            <a:avLst/>
+          </a:prstGeom>
+          <a:noFill/>
+          <a:ln>
+            <a:noFill/>
+          </a:ln>
+        </p:spPr>
+        <p:txBody>
+          <a:bodyPr anchorCtr="0" anchor="t" bIns="91425" lIns="91425" rIns="91425" tIns="91425">
+            <a:noAutofit/>
+          </a:bodyPr>
+          <a:lstStyle/>
+          <a:p>
+            <a:pPr lvl="0" algn="ctr">
+              <a:spcBef>
+                <a:spcPts val="0"/>
+              </a:spcBef>
+              <a:buNone/>
+            </a:pPr>
+            <a:r>
+              <a:rPr lang="en" sz="2400">
+                <a:solidFill>
+                  <a:srgbClr val="FFFFFF"/>
+                </a:solidFill>
+              </a:rPr>
+              <a:t>1</a:t>
+            </a:r>
+          </a:p>
+        </p:txBody>
+      </p:sp>
+      <p:sp>
+        <p:nvSpPr>
+          <p:cNvPr id="116" name="Shape 116"/>
+          <p:cNvSpPr txBox="1"/>
+          <p:nvPr/>
+        </p:nvSpPr>
+        <p:spPr>
+          <a:xfrm>
+            <a:off x="3788575" y="1270575"/>
+            <a:ext cx="844800" cy="777300"/>
+          </a:xfrm>
+          <a:prstGeom prst="rect">
+            <a:avLst/>
+          </a:prstGeom>
+          <a:noFill/>
+          <a:ln>
+            <a:noFill/>
+          </a:ln>
+        </p:spPr>
+        <p:txBody>
+          <a:bodyPr anchorCtr="0" anchor="t" bIns="91425" lIns="91425" rIns="91425" tIns="91425">
+            <a:noAutofit/>
+          </a:bodyPr>
+          <a:lstStyle/>
+          <a:p>
+            <a:pPr lvl="0" rtl="0" algn="ctr">
+              <a:spcBef>
+                <a:spcPts val="0"/>
+              </a:spcBef>
+              <a:buNone/>
+            </a:pPr>
+            <a:r>
+              <a:rPr lang="en" sz="2400">
+                <a:solidFill>
+                  <a:srgbClr val="FFFFFF"/>
+                </a:solidFill>
+              </a:rPr>
+              <a:t>2</a:t>
+            </a:r>
+          </a:p>
+        </p:txBody>
+      </p:sp>
+      <p:sp>
+        <p:nvSpPr>
+          <p:cNvPr id="117" name="Shape 117"/>
+          <p:cNvSpPr txBox="1"/>
+          <p:nvPr/>
+        </p:nvSpPr>
+        <p:spPr>
+          <a:xfrm>
+            <a:off x="6982000" y="1270575"/>
+            <a:ext cx="844799" cy="777299"/>
+          </a:xfrm>
+          <a:prstGeom prst="rect">
+            <a:avLst/>
+          </a:prstGeom>
+          <a:noFill/>
+          <a:ln>
+            <a:noFill/>
+          </a:ln>
+        </p:spPr>
+        <p:txBody>
+          <a:bodyPr anchorCtr="0" anchor="t" bIns="91425" lIns="91425" rIns="91425" tIns="91425">
+            <a:noAutofit/>
+          </a:bodyPr>
+          <a:lstStyle/>
+          <a:p>
+            <a:pPr lvl="0" rtl="0" algn="ctr">
+              <a:spcBef>
+                <a:spcPts val="0"/>
+              </a:spcBef>
+              <a:buNone/>
+            </a:pPr>
+            <a:r>
+              <a:rPr lang="en" sz="2400">
+                <a:solidFill>
+                  <a:srgbClr val="FFFFFF"/>
+                </a:solidFill>
+              </a:rPr>
+              <a:t>3</a:t>
+            </a:r>
+          </a:p>
+        </p:txBody>
+      </p:sp>
       <p:pic>
         <p:nvPicPr>
-          <p:cNvPr id="117" name="Shape 117"/>
+          <p:cNvPr id="118" name="Shape 118"/>
           <p:cNvPicPr preferRelativeResize="0"/>
           <p:nvPr/>
         </p:nvPicPr>
@@ -6946,8 +6957,92 @@
         </p:blipFill>
         <p:spPr>
           <a:xfrm>
-            <a:off x="3055426" y="222274"/>
-            <a:ext cx="3033150" cy="4433425"/>
+            <a:off x="437325" y="3095212"/>
+            <a:ext cx="1517300" cy="364925"/>
+          </a:xfrm>
+          <a:prstGeom prst="rect">
+            <a:avLst/>
+          </a:prstGeom>
+          <a:noFill/>
+          <a:ln>
+            <a:noFill/>
+          </a:ln>
+        </p:spPr>
+      </p:pic>
+      <p:pic>
+        <p:nvPicPr>
+          <p:cNvPr id="119" name="Shape 119"/>
+          <p:cNvPicPr preferRelativeResize="0"/>
+          <p:nvPr/>
+        </p:nvPicPr>
+        <p:blipFill>
+          <a:blip r:embed="rId4">
+            <a:alphaModFix/>
+          </a:blip>
+          <a:stretch>
+            <a:fillRect/>
+          </a:stretch>
+        </p:blipFill>
+        <p:spPr>
+          <a:xfrm>
+            <a:off x="437325" y="3397174"/>
+            <a:ext cx="1517299" cy="417774"/>
+          </a:xfrm>
+          <a:prstGeom prst="rect">
+            <a:avLst/>
+          </a:prstGeom>
+          <a:noFill/>
+          <a:ln>
+            <a:noFill/>
+          </a:ln>
+        </p:spPr>
+      </p:pic>
+      <p:pic>
+        <p:nvPicPr>
+          <p:cNvPr id="120" name="Shape 120"/>
+          <p:cNvPicPr preferRelativeResize="0"/>
+          <p:nvPr/>
+        </p:nvPicPr>
+        <p:blipFill>
+          <a:blip r:embed="rId5">
+            <a:alphaModFix/>
+          </a:blip>
+          <a:stretch>
+            <a:fillRect/>
+          </a:stretch>
+        </p:blipFill>
+        <p:spPr>
+          <a:xfrm>
+            <a:off x="437325" y="3769325"/>
+            <a:ext cx="1517299" cy="364925"/>
+          </a:xfrm>
+          <a:prstGeom prst="rect">
+            <a:avLst/>
+          </a:prstGeom>
+          <a:noFill/>
+          <a:ln>
+            <a:noFill/>
+          </a:ln>
+        </p:spPr>
+      </p:pic>
+      <p:pic>
+        <p:nvPicPr>
+          <p:cNvPr id="121" name="Shape 121"/>
+          <p:cNvPicPr preferRelativeResize="0"/>
+          <p:nvPr/>
+        </p:nvPicPr>
+        <p:blipFill>
+          <a:blip r:embed="rId6">
+            <a:alphaModFix/>
+          </a:blip>
+          <a:stretch>
+            <a:fillRect/>
+          </a:stretch>
+        </p:blipFill>
+        <p:spPr>
+          <a:xfrm>
+            <a:off x="3326675" y="3318519"/>
+            <a:ext cx="1893913" cy="417774"/>
           </a:xfrm>
           <a:prstGeom prst="rect">
             <a:avLst/>
@@ -6974,7 +7069,7 @@
   <p:cSld>
     <p:spTree>
       <p:nvGrpSpPr>
-        <p:cNvPr id="121" name="Shape 121"/>
+        <p:cNvPr id="125" name="Shape 125"/>
         <p:cNvGrpSpPr/>
         <p:nvPr/>
       </p:nvGrpSpPr>
@@ -6988,7 +7083,7 @@
       </p:grpSpPr>
       <p:sp>
         <p:nvSpPr>
-          <p:cNvPr id="122" name="Shape 122"/>
+          <p:cNvPr id="126" name="Shape 126"/>
           <p:cNvSpPr txBox="1"/>
           <p:nvPr>
             <p:ph type="title"/>
@@ -7024,7 +7119,7 @@
       </p:sp>
       <p:pic>
         <p:nvPicPr>
-          <p:cNvPr id="123" name="Shape 123"/>
+          <p:cNvPr id="127" name="Shape 127"/>
           <p:cNvPicPr preferRelativeResize="0"/>
           <p:nvPr/>
         </p:nvPicPr>
@@ -7066,7 +7161,7 @@
   <p:cSld>
     <p:spTree>
       <p:nvGrpSpPr>
-        <p:cNvPr id="127" name="Shape 127"/>
+        <p:cNvPr id="131" name="Shape 131"/>
         <p:cNvGrpSpPr/>
         <p:nvPr/>
       </p:nvGrpSpPr>
@@ -7080,7 +7175,7 @@
       </p:grpSpPr>
       <p:sp>
         <p:nvSpPr>
-          <p:cNvPr id="128" name="Shape 128"/>
+          <p:cNvPr id="132" name="Shape 132"/>
           <p:cNvSpPr txBox="1"/>
           <p:nvPr>
             <p:ph type="title"/>
@@ -7089,7 +7184,7 @@
         <p:spPr>
           <a:xfrm>
             <a:off x="311700" y="445025"/>
-            <a:ext cx="8520599" cy="572699"/>
+            <a:ext cx="8520600" cy="572700"/>
           </a:xfrm>
           <a:prstGeom prst="rect">
             <a:avLst/>
@@ -7116,7 +7211,7 @@
       </p:sp>
       <p:sp>
         <p:nvSpPr>
-          <p:cNvPr id="129" name="Shape 129"/>
+          <p:cNvPr id="133" name="Shape 133"/>
           <p:cNvSpPr txBox="1"/>
           <p:nvPr>
             <p:ph idx="1" type="body"/>
@@ -7125,7 +7220,7 @@
         <p:spPr>
           <a:xfrm>
             <a:off x="311700" y="1152475"/>
-            <a:ext cx="8520599" cy="3416400"/>
+            <a:ext cx="8520600" cy="3416400"/>
           </a:xfrm>
           <a:prstGeom prst="rect">
             <a:avLst/>
@@ -7206,7 +7301,7 @@
       </p:sp>
       <p:sp>
         <p:nvSpPr>
-          <p:cNvPr id="130" name="Shape 130">
+          <p:cNvPr id="134" name="Shape 134">
             <a:hlinkClick r:id="rId3"/>
           </p:cNvPr>
           <p:cNvSpPr/>
@@ -7214,8 +7309,8 @@
         </p:nvSpPr>
         <p:spPr>
           <a:xfrm>
-            <a:off x="2286000" y="1047400"/>
-            <a:ext cx="4572000" cy="3429000"/>
+            <a:off x="1143000" y="0"/>
+            <a:ext cx="6858000" cy="5143500"/>
           </a:xfrm>
           <a:prstGeom prst="rect">
             <a:avLst/>
